--- a/internet-security/arch-sec.pptx
+++ b/internet-security/arch-sec.pptx
@@ -555,7 +555,7 @@
           <a:p>
             <a:fld id="{81B7EE3F-0E40-4E46-B38A-161A7323B428}" type="datetimeFigureOut">
               <a:rPr lang="en-US" smtClean="0"/>
-              <a:t>8/25/22</a:t>
+              <a:t>9/1/23</a:t>
             </a:fld>
             <a:endParaRPr lang="en-US"/>
           </a:p>
